--- a/psconfAsia2018/DSC-Workshop/PSConf_Asia-DSC_OVF.pptx
+++ b/psconfAsia2018/DSC-Workshop/PSConf_Asia-DSC_OVF.pptx
@@ -209,7 +209,7 @@
           </a:lstStyle>
           <a:p>
             <a:fld id="{811A311C-DD8B-164B-A5B4-891FB44DF03B}" type="datetimeFigureOut">
-              <a:t>10/16/2018</a:t>
+              <a:t>10/18/2018</a:t>
             </a:fld>
             <a:endParaRPr lang="en-US"/>
           </a:p>
@@ -688,7 +688,7 @@
           <a:p>
             <a:fld id="{99585AEA-614B-7045-B3D9-61FEC86204D9}" type="datetimeFigureOut">
               <a:rPr lang="en-US" smtClean="0"/>
-              <a:t>10/16/2018</a:t>
+              <a:t>10/18/2018</a:t>
             </a:fld>
             <a:endParaRPr lang="en-US"/>
           </a:p>
@@ -856,7 +856,7 @@
           <a:p>
             <a:fld id="{99585AEA-614B-7045-B3D9-61FEC86204D9}" type="datetimeFigureOut">
               <a:rPr lang="en-US" smtClean="0"/>
-              <a:t>10/16/2018</a:t>
+              <a:t>10/18/2018</a:t>
             </a:fld>
             <a:endParaRPr lang="en-US"/>
           </a:p>
@@ -1034,7 +1034,7 @@
           <a:p>
             <a:fld id="{99585AEA-614B-7045-B3D9-61FEC86204D9}" type="datetimeFigureOut">
               <a:rPr lang="en-US" smtClean="0"/>
-              <a:t>10/16/2018</a:t>
+              <a:t>10/18/2018</a:t>
             </a:fld>
             <a:endParaRPr lang="en-US"/>
           </a:p>
@@ -1202,7 +1202,7 @@
           <a:p>
             <a:fld id="{99585AEA-614B-7045-B3D9-61FEC86204D9}" type="datetimeFigureOut">
               <a:rPr lang="en-US" smtClean="0"/>
-              <a:t>10/16/2018</a:t>
+              <a:t>10/18/2018</a:t>
             </a:fld>
             <a:endParaRPr lang="en-US"/>
           </a:p>
@@ -1447,7 +1447,7 @@
           <a:p>
             <a:fld id="{99585AEA-614B-7045-B3D9-61FEC86204D9}" type="datetimeFigureOut">
               <a:rPr lang="en-US" smtClean="0"/>
-              <a:t>10/16/2018</a:t>
+              <a:t>10/18/2018</a:t>
             </a:fld>
             <a:endParaRPr lang="en-US"/>
           </a:p>
@@ -1676,7 +1676,7 @@
           <a:p>
             <a:fld id="{99585AEA-614B-7045-B3D9-61FEC86204D9}" type="datetimeFigureOut">
               <a:rPr lang="en-US" smtClean="0"/>
-              <a:t>10/16/2018</a:t>
+              <a:t>10/18/2018</a:t>
             </a:fld>
             <a:endParaRPr lang="en-US"/>
           </a:p>
@@ -2040,7 +2040,7 @@
           <a:p>
             <a:fld id="{99585AEA-614B-7045-B3D9-61FEC86204D9}" type="datetimeFigureOut">
               <a:rPr lang="en-US" smtClean="0"/>
-              <a:t>10/16/2018</a:t>
+              <a:t>10/18/2018</a:t>
             </a:fld>
             <a:endParaRPr lang="en-US"/>
           </a:p>
@@ -2157,7 +2157,7 @@
           <a:p>
             <a:fld id="{99585AEA-614B-7045-B3D9-61FEC86204D9}" type="datetimeFigureOut">
               <a:rPr lang="en-US" smtClean="0"/>
-              <a:t>10/16/2018</a:t>
+              <a:t>10/18/2018</a:t>
             </a:fld>
             <a:endParaRPr lang="en-US"/>
           </a:p>
@@ -2252,7 +2252,7 @@
           <a:p>
             <a:fld id="{99585AEA-614B-7045-B3D9-61FEC86204D9}" type="datetimeFigureOut">
               <a:rPr lang="en-US" smtClean="0"/>
-              <a:t>10/16/2018</a:t>
+              <a:t>10/18/2018</a:t>
             </a:fld>
             <a:endParaRPr lang="en-US"/>
           </a:p>
@@ -2527,7 +2527,7 @@
           <a:p>
             <a:fld id="{99585AEA-614B-7045-B3D9-61FEC86204D9}" type="datetimeFigureOut">
               <a:rPr lang="en-US" smtClean="0"/>
-              <a:t>10/16/2018</a:t>
+              <a:t>10/18/2018</a:t>
             </a:fld>
             <a:endParaRPr lang="en-US"/>
           </a:p>
@@ -2779,7 +2779,7 @@
           <a:p>
             <a:fld id="{99585AEA-614B-7045-B3D9-61FEC86204D9}" type="datetimeFigureOut">
               <a:rPr lang="en-US" smtClean="0"/>
-              <a:t>10/16/2018</a:t>
+              <a:t>10/18/2018</a:t>
             </a:fld>
             <a:endParaRPr lang="en-US"/>
           </a:p>
@@ -2990,7 +2990,7 @@
           <a:p>
             <a:fld id="{99585AEA-614B-7045-B3D9-61FEC86204D9}" type="datetimeFigureOut">
               <a:rPr lang="en-US" smtClean="0"/>
-              <a:t>10/16/2018</a:t>
+              <a:t>10/18/2018</a:t>
             </a:fld>
             <a:endParaRPr lang="en-US"/>
           </a:p>
@@ -4030,10 +4030,31 @@
           <a:bodyPr/>
           <a:lstStyle/>
           <a:p>
-            <a:endParaRPr lang="en-US">
-              <a:latin typeface="Segoe UI" panose="020B0502040204020203" pitchFamily="34" charset="0"/>
-              <a:cs typeface="Segoe UI" panose="020B0502040204020203" pitchFamily="34" charset="0"/>
-            </a:endParaRPr>
+            <a:r>
+              <a:rPr lang="en-US" dirty="0">
+                <a:latin typeface="Segoe UI" panose="020B0502040204020203" pitchFamily="34" charset="0"/>
+                <a:cs typeface="Segoe UI" panose="020B0502040204020203" pitchFamily="34" charset="0"/>
+              </a:rPr>
+              <a:t>No mocking</a:t>
+            </a:r>
+          </a:p>
+          <a:p>
+            <a:r>
+              <a:rPr lang="en-US" dirty="0">
+                <a:latin typeface="Segoe UI" panose="020B0502040204020203" pitchFamily="34" charset="0"/>
+                <a:cs typeface="Segoe UI" panose="020B0502040204020203" pitchFamily="34" charset="0"/>
+              </a:rPr>
+              <a:t>Test desired state</a:t>
+            </a:r>
+          </a:p>
+          <a:p>
+            <a:r>
+              <a:rPr lang="en-US" dirty="0">
+                <a:latin typeface="Segoe UI" panose="020B0502040204020203" pitchFamily="34" charset="0"/>
+                <a:cs typeface="Segoe UI" panose="020B0502040204020203" pitchFamily="34" charset="0"/>
+              </a:rPr>
+              <a:t>Not a functional test</a:t>
+            </a:r>
           </a:p>
         </p:txBody>
       </p:sp>
@@ -7449,10 +7470,31 @@
           <a:bodyPr/>
           <a:lstStyle/>
           <a:p>
-            <a:endParaRPr lang="en-US">
-              <a:latin typeface="Segoe UI" panose="020B0502040204020203" pitchFamily="34" charset="0"/>
-              <a:cs typeface="Segoe UI" panose="020B0502040204020203" pitchFamily="34" charset="0"/>
-            </a:endParaRPr>
+            <a:r>
+              <a:rPr lang="en-US" dirty="0">
+                <a:latin typeface="Segoe UI" panose="020B0502040204020203" pitchFamily="34" charset="0"/>
+                <a:cs typeface="Segoe UI" panose="020B0502040204020203" pitchFamily="34" charset="0"/>
+              </a:rPr>
+              <a:t>Test the code and logic!</a:t>
+            </a:r>
+          </a:p>
+          <a:p>
+            <a:r>
+              <a:rPr lang="en-US" dirty="0">
+                <a:latin typeface="Segoe UI" panose="020B0502040204020203" pitchFamily="34" charset="0"/>
+                <a:cs typeface="Segoe UI" panose="020B0502040204020203" pitchFamily="34" charset="0"/>
+              </a:rPr>
+              <a:t>Use mocking.</a:t>
+            </a:r>
+          </a:p>
+          <a:p>
+            <a:r>
+              <a:rPr lang="en-US" dirty="0">
+                <a:latin typeface="Segoe UI" panose="020B0502040204020203" pitchFamily="34" charset="0"/>
+                <a:cs typeface="Segoe UI" panose="020B0502040204020203" pitchFamily="34" charset="0"/>
+              </a:rPr>
+              <a:t>No state changes.</a:t>
+            </a:r>
           </a:p>
         </p:txBody>
       </p:sp>
@@ -8324,6 +8366,15 @@
 </file>
 
 <file path=customXml/item2.xml><?xml version="1.0" encoding="utf-8"?>
+<?mso-contentType ?>
+<FormTemplates xmlns="http://schemas.microsoft.com/sharepoint/v3/contenttype/forms">
+  <Display>DocumentLibraryForm</Display>
+  <Edit>DocumentLibraryForm</Edit>
+  <New>DocumentLibraryForm</New>
+</FormTemplates>
+</file>
+
+<file path=customXml/item3.xml><?xml version="1.0" encoding="utf-8"?>
 <ct:contentTypeSchema xmlns:ct="http://schemas.microsoft.com/office/2006/metadata/contentType" xmlns:ma="http://schemas.microsoft.com/office/2006/metadata/properties/metaAttributes" ct:_="" ma:_="" ma:contentTypeName="Document" ma:contentTypeID="0x0101000870A200AD61034F824A14E42296AF19" ma:contentTypeVersion="3" ma:contentTypeDescription="Create a new document." ma:contentTypeScope="" ma:versionID="73aacb02c6f81c6cd1259496118e75e6">
   <xsd:schema xmlns:xsd="http://www.w3.org/2001/XMLSchema" xmlns:xs="http://www.w3.org/2001/XMLSchema" xmlns:p="http://schemas.microsoft.com/office/2006/metadata/properties" xmlns:ns2="35430ae4-e281-43de-938c-38a1ecae3204" targetNamespace="http://schemas.microsoft.com/office/2006/metadata/properties" ma:root="true" ma:fieldsID="27565c2e1105912c3783aec573fd6480" ns2:_="">
     <xsd:import namespace="35430ae4-e281-43de-938c-38a1ecae3204"/>
@@ -8461,15 +8512,6 @@
 </ct:contentTypeSchema>
 </file>
 
-<file path=customXml/item3.xml><?xml version="1.0" encoding="utf-8"?>
-<?mso-contentType ?>
-<FormTemplates xmlns="http://schemas.microsoft.com/sharepoint/v3/contenttype/forms">
-  <Display>DocumentLibraryForm</Display>
-  <Edit>DocumentLibraryForm</Edit>
-  <New>DocumentLibraryForm</New>
-</FormTemplates>
-</file>
-
 <file path=customXml/itemProps1.xml><?xml version="1.0" encoding="utf-8"?>
 <ds:datastoreItem xmlns:ds="http://schemas.openxmlformats.org/officeDocument/2006/customXml" ds:itemID="{18C67904-9C10-4B64-B599-8155E7A6B1E6}">
   <ds:schemaRefs>
@@ -8480,6 +8522,14 @@
 </file>
 
 <file path=customXml/itemProps2.xml><?xml version="1.0" encoding="utf-8"?>
+<ds:datastoreItem xmlns:ds="http://schemas.openxmlformats.org/officeDocument/2006/customXml" ds:itemID="{72756391-D205-424A-B5B1-7032AF382F33}">
+  <ds:schemaRefs>
+    <ds:schemaRef ds:uri="http://schemas.microsoft.com/sharepoint/v3/contenttype/forms"/>
+  </ds:schemaRefs>
+</ds:datastoreItem>
+</file>
+
+<file path=customXml/itemProps3.xml><?xml version="1.0" encoding="utf-8"?>
 <ds:datastoreItem xmlns:ds="http://schemas.openxmlformats.org/officeDocument/2006/customXml" ds:itemID="{CBC1BA2F-C324-4101-A7BA-03699E0CB169}">
   <ds:schemaRefs>
     <ds:schemaRef ds:uri="http://schemas.microsoft.com/office/2006/metadata/contentType"/>
@@ -8495,12 +8545,4 @@
     <ds:schemaRef ds:uri="http://schemas.microsoft.com/internal/obd"/>
   </ds:schemaRefs>
 </ds:datastoreItem>
-</file>
-
-<file path=customXml/itemProps3.xml><?xml version="1.0" encoding="utf-8"?>
-<ds:datastoreItem xmlns:ds="http://schemas.openxmlformats.org/officeDocument/2006/customXml" ds:itemID="{72756391-D205-424A-B5B1-7032AF382F33}">
-  <ds:schemaRefs>
-    <ds:schemaRef ds:uri="http://schemas.microsoft.com/sharepoint/v3/contenttype/forms"/>
-  </ds:schemaRefs>
-</ds:datastoreItem>
 </file>
--- a/psconfAsia2018/DSC-Workshop/PSConf_Asia-DSC_OVF.pptx
+++ b/psconfAsia2018/DSC-Workshop/PSConf_Asia-DSC_OVF.pptx
@@ -5,23 +5,24 @@
     <p:sldMasterId id="2147483648" r:id="rId4"/>
   </p:sldMasterIdLst>
   <p:notesMasterIdLst>
-    <p:notesMasterId r:id="rId19"/>
+    <p:notesMasterId r:id="rId20"/>
   </p:notesMasterIdLst>
   <p:sldIdLst>
     <p:sldId id="274" r:id="rId5"/>
-    <p:sldId id="279" r:id="rId6"/>
-    <p:sldId id="280" r:id="rId7"/>
-    <p:sldId id="281" r:id="rId8"/>
-    <p:sldId id="283" r:id="rId9"/>
-    <p:sldId id="286" r:id="rId10"/>
-    <p:sldId id="288" r:id="rId11"/>
-    <p:sldId id="284" r:id="rId12"/>
-    <p:sldId id="289" r:id="rId13"/>
-    <p:sldId id="285" r:id="rId14"/>
-    <p:sldId id="290" r:id="rId15"/>
-    <p:sldId id="287" r:id="rId16"/>
-    <p:sldId id="291" r:id="rId17"/>
-    <p:sldId id="278" r:id="rId18"/>
+    <p:sldId id="292" r:id="rId6"/>
+    <p:sldId id="279" r:id="rId7"/>
+    <p:sldId id="280" r:id="rId8"/>
+    <p:sldId id="281" r:id="rId9"/>
+    <p:sldId id="283" r:id="rId10"/>
+    <p:sldId id="286" r:id="rId11"/>
+    <p:sldId id="288" r:id="rId12"/>
+    <p:sldId id="284" r:id="rId13"/>
+    <p:sldId id="289" r:id="rId14"/>
+    <p:sldId id="285" r:id="rId15"/>
+    <p:sldId id="290" r:id="rId16"/>
+    <p:sldId id="287" r:id="rId17"/>
+    <p:sldId id="291" r:id="rId18"/>
+    <p:sldId id="278" r:id="rId19"/>
   </p:sldIdLst>
   <p:sldSz cx="12192000" cy="6858000"/>
   <p:notesSz cx="6858000" cy="9144000"/>
@@ -540,7 +541,7 @@
           <a:p>
             <a:fld id="{1184D872-AB72-7141-BB7A-B591141434CC}" type="slidenum">
               <a:rPr lang="en-SG" smtClean="0"/>
-              <a:t>14</a:t>
+              <a:t>15</a:t>
             </a:fld>
             <a:endParaRPr lang="en-SG"/>
           </a:p>
@@ -3911,6 +3912,332 @@
 <file path=ppt/slides/slide10.xml><?xml version="1.0" encoding="utf-8"?>
 <p:sld xmlns:a="http://schemas.openxmlformats.org/drawingml/2006/main" xmlns:r="http://schemas.openxmlformats.org/officeDocument/2006/relationships" xmlns:p="http://schemas.openxmlformats.org/presentationml/2006/main">
   <p:cSld>
+    <p:bg>
+      <p:bgPr>
+        <a:solidFill>
+          <a:schemeClr val="bg1"/>
+        </a:solidFill>
+        <a:effectLst/>
+      </p:bgPr>
+    </p:bg>
+    <p:spTree>
+      <p:nvGrpSpPr>
+        <p:cNvPr id="1" name=""/>
+        <p:cNvGrpSpPr/>
+        <p:nvPr/>
+      </p:nvGrpSpPr>
+      <p:grpSpPr>
+        <a:xfrm>
+          <a:off x="0" y="0"/>
+          <a:ext cx="0" cy="0"/>
+          <a:chOff x="0" y="0"/>
+          <a:chExt cx="0" cy="0"/>
+        </a:xfrm>
+      </p:grpSpPr>
+      <p:sp>
+        <p:nvSpPr>
+          <p:cNvPr id="8" name="Rectangle 7">
+            <a:extLst>
+              <a:ext uri="{FF2B5EF4-FFF2-40B4-BE49-F238E27FC236}">
+                <a16:creationId xmlns:a16="http://schemas.microsoft.com/office/drawing/2014/main" id="{D8386171-E87D-46AB-8718-4CE2A88748BD}"/>
+              </a:ext>
+              <a:ext uri="{C183D7F6-B498-43B3-948B-1728B52AA6E4}">
+                <adec:decorative xmlns:adec="http://schemas.microsoft.com/office/drawing/2017/decorative" val="1"/>
+              </a:ext>
+            </a:extLst>
+          </p:cNvPr>
+          <p:cNvSpPr>
+            <a:spLocks noGrp="1" noRot="1" noChangeAspect="1" noMove="1" noResize="1" noEditPoints="1" noAdjustHandles="1" noChangeArrowheads="1" noChangeShapeType="1" noTextEdit="1"/>
+          </p:cNvSpPr>
+          <p:nvPr>
+            <p:extLst>
+              <p:ext uri="{386F3935-93C4-4BCD-93E2-E3B085C9AB24}">
+                <p16:designElem xmlns:p16="http://schemas.microsoft.com/office/powerpoint/2015/main" val="1"/>
+              </p:ext>
+            </p:extLst>
+          </p:nvPr>
+        </p:nvSpPr>
+        <p:spPr>
+          <a:xfrm>
+            <a:off x="0" y="0"/>
+            <a:ext cx="12192000" cy="6858000"/>
+          </a:xfrm>
+          <a:prstGeom prst="rect">
+            <a:avLst/>
+          </a:prstGeom>
+          <a:solidFill>
+            <a:srgbClr val="C8CACA"/>
+          </a:solidFill>
+          <a:ln>
+            <a:noFill/>
+          </a:ln>
+        </p:spPr>
+        <p:style>
+          <a:lnRef idx="2">
+            <a:schemeClr val="accent1">
+              <a:shade val="50000"/>
+            </a:schemeClr>
+          </a:lnRef>
+          <a:fillRef idx="1">
+            <a:schemeClr val="accent1"/>
+          </a:fillRef>
+          <a:effectRef idx="0">
+            <a:schemeClr val="accent1"/>
+          </a:effectRef>
+          <a:fontRef idx="minor">
+            <a:schemeClr val="lt1"/>
+          </a:fontRef>
+        </p:style>
+        <p:txBody>
+          <a:bodyPr rtlCol="0" anchor="ctr"/>
+          <a:lstStyle/>
+          <a:p>
+            <a:pPr algn="ctr"/>
+            <a:endParaRPr lang="en-US"/>
+          </a:p>
+        </p:txBody>
+      </p:sp>
+      <p:sp>
+        <p:nvSpPr>
+          <p:cNvPr id="10" name="Rounded Rectangle 26">
+            <a:extLst>
+              <a:ext uri="{FF2B5EF4-FFF2-40B4-BE49-F238E27FC236}">
+                <a16:creationId xmlns:a16="http://schemas.microsoft.com/office/drawing/2014/main" id="{207CB456-8849-413C-8210-B663779A32E0}"/>
+              </a:ext>
+              <a:ext uri="{C183D7F6-B498-43B3-948B-1728B52AA6E4}">
+                <adec:decorative xmlns:adec="http://schemas.microsoft.com/office/drawing/2017/decorative" val="1"/>
+              </a:ext>
+            </a:extLst>
+          </p:cNvPr>
+          <p:cNvSpPr>
+            <a:spLocks noGrp="1" noRot="1" noChangeAspect="1" noMove="1" noResize="1" noEditPoints="1" noAdjustHandles="1" noChangeArrowheads="1" noChangeShapeType="1" noTextEdit="1"/>
+          </p:cNvSpPr>
+          <p:nvPr>
+            <p:extLst>
+              <p:ext uri="{386F3935-93C4-4BCD-93E2-E3B085C9AB24}">
+                <p16:designElem xmlns:p16="http://schemas.microsoft.com/office/powerpoint/2015/main" val="1"/>
+              </p:ext>
+            </p:extLst>
+          </p:nvPr>
+        </p:nvSpPr>
+        <p:spPr>
+          <a:xfrm>
+            <a:off x="646745" y="640080"/>
+            <a:ext cx="10920415" cy="5577818"/>
+          </a:xfrm>
+          <a:prstGeom prst="roundRect">
+            <a:avLst>
+              <a:gd name="adj" fmla="val 0"/>
+            </a:avLst>
+          </a:prstGeom>
+          <a:solidFill>
+            <a:srgbClr val="FFFFFF"/>
+          </a:solidFill>
+          <a:ln w="9525">
+            <a:solidFill>
+              <a:srgbClr val="C8CACA"/>
+            </a:solidFill>
+          </a:ln>
+          <a:effectLst>
+            <a:outerShdw blurRad="57150" dist="19050" dir="5400000" algn="t" rotWithShape="0">
+              <a:prstClr val="black">
+                <a:alpha val="63000"/>
+              </a:prstClr>
+            </a:outerShdw>
+          </a:effectLst>
+        </p:spPr>
+        <p:style>
+          <a:lnRef idx="2">
+            <a:schemeClr val="accent1">
+              <a:shade val="50000"/>
+            </a:schemeClr>
+          </a:lnRef>
+          <a:fillRef idx="1">
+            <a:schemeClr val="accent1"/>
+          </a:fillRef>
+          <a:effectRef idx="0">
+            <a:schemeClr val="accent1"/>
+          </a:effectRef>
+          <a:fontRef idx="minor">
+            <a:schemeClr val="lt1"/>
+          </a:fontRef>
+        </p:style>
+        <p:txBody>
+          <a:bodyPr rtlCol="0" anchor="ctr"/>
+          <a:lstStyle/>
+          <a:p>
+            <a:pPr algn="ctr"/>
+            <a:endParaRPr lang="en-US"/>
+          </a:p>
+        </p:txBody>
+      </p:sp>
+      <p:sp>
+        <p:nvSpPr>
+          <p:cNvPr id="12" name="Rectangle 11">
+            <a:extLst>
+              <a:ext uri="{FF2B5EF4-FFF2-40B4-BE49-F238E27FC236}">
+                <a16:creationId xmlns:a16="http://schemas.microsoft.com/office/drawing/2014/main" id="{E513936D-D1EB-4E42-A97F-942BA1F3DFA7}"/>
+              </a:ext>
+              <a:ext uri="{C183D7F6-B498-43B3-948B-1728B52AA6E4}">
+                <adec:decorative xmlns:adec="http://schemas.microsoft.com/office/drawing/2017/decorative" val="1"/>
+              </a:ext>
+            </a:extLst>
+          </p:cNvPr>
+          <p:cNvSpPr>
+            <a:spLocks noGrp="1" noRot="1" noChangeAspect="1" noMove="1" noResize="1" noEditPoints="1" noAdjustHandles="1" noChangeArrowheads="1" noChangeShapeType="1" noTextEdit="1"/>
+          </p:cNvSpPr>
+          <p:nvPr>
+            <p:extLst>
+              <p:ext uri="{386F3935-93C4-4BCD-93E2-E3B085C9AB24}">
+                <p16:designElem xmlns:p16="http://schemas.microsoft.com/office/powerpoint/2015/main" val="1"/>
+              </p:ext>
+            </p:extLst>
+          </p:nvPr>
+        </p:nvSpPr>
+        <p:spPr>
+          <a:xfrm>
+            <a:off x="968024" y="960109"/>
+            <a:ext cx="10277856" cy="4937760"/>
+          </a:xfrm>
+          <a:prstGeom prst="rect">
+            <a:avLst/>
+          </a:prstGeom>
+          <a:solidFill>
+            <a:schemeClr val="bg2"/>
+          </a:solidFill>
+          <a:ln>
+            <a:noFill/>
+          </a:ln>
+        </p:spPr>
+        <p:style>
+          <a:lnRef idx="2">
+            <a:schemeClr val="accent1">
+              <a:shade val="50000"/>
+            </a:schemeClr>
+          </a:lnRef>
+          <a:fillRef idx="1">
+            <a:schemeClr val="accent1"/>
+          </a:fillRef>
+          <a:effectRef idx="0">
+            <a:schemeClr val="accent1"/>
+          </a:effectRef>
+          <a:fontRef idx="minor">
+            <a:schemeClr val="lt1"/>
+          </a:fontRef>
+        </p:style>
+        <p:txBody>
+          <a:bodyPr rtlCol="0" anchor="ctr"/>
+          <a:lstStyle/>
+          <a:p>
+            <a:pPr algn="ctr"/>
+            <a:endParaRPr lang="en-US"/>
+          </a:p>
+        </p:txBody>
+      </p:sp>
+      <p:sp>
+        <p:nvSpPr>
+          <p:cNvPr id="2" name="Title 1">
+            <a:extLst>
+              <a:ext uri="{FF2B5EF4-FFF2-40B4-BE49-F238E27FC236}">
+                <a16:creationId xmlns:a16="http://schemas.microsoft.com/office/drawing/2014/main" id="{BEBF09E7-BE51-45A2-B0A1-40EE8290B20E}"/>
+              </a:ext>
+            </a:extLst>
+          </p:cNvPr>
+          <p:cNvSpPr>
+            <a:spLocks noGrp="1"/>
+          </p:cNvSpPr>
+          <p:nvPr>
+            <p:ph type="title"/>
+          </p:nvPr>
+        </p:nvSpPr>
+        <p:spPr>
+          <a:xfrm>
+            <a:off x="1524000" y="1376362"/>
+            <a:ext cx="9144000" cy="2603274"/>
+          </a:xfrm>
+        </p:spPr>
+        <p:txBody>
+          <a:bodyPr vert="horz" lIns="91440" tIns="45720" rIns="91440" bIns="45720" rtlCol="0" anchor="b">
+            <a:normAutofit/>
+          </a:bodyPr>
+          <a:lstStyle/>
+          <a:p>
+            <a:pPr algn="ctr"/>
+            <a:r>
+              <a:rPr lang="en-US" sz="5400" kern="1200">
+                <a:solidFill>
+                  <a:schemeClr val="tx1"/>
+                </a:solidFill>
+                <a:latin typeface="+mj-lt"/>
+                <a:ea typeface="+mj-ea"/>
+                <a:cs typeface="+mj-cs"/>
+              </a:rPr>
+              <a:t>Demo</a:t>
+            </a:r>
+          </a:p>
+        </p:txBody>
+      </p:sp>
+      <p:sp>
+        <p:nvSpPr>
+          <p:cNvPr id="3" name="Content Placeholder 2">
+            <a:extLst>
+              <a:ext uri="{FF2B5EF4-FFF2-40B4-BE49-F238E27FC236}">
+                <a16:creationId xmlns:a16="http://schemas.microsoft.com/office/drawing/2014/main" id="{CF96B156-455D-4FF4-AD6A-5004AF5D5FC4}"/>
+              </a:ext>
+            </a:extLst>
+          </p:cNvPr>
+          <p:cNvSpPr>
+            <a:spLocks noGrp="1"/>
+          </p:cNvSpPr>
+          <p:nvPr>
+            <p:ph idx="1"/>
+          </p:nvPr>
+        </p:nvSpPr>
+        <p:spPr>
+          <a:xfrm>
+            <a:off x="1524000" y="4118088"/>
+            <a:ext cx="9144000" cy="1393711"/>
+          </a:xfrm>
+        </p:spPr>
+        <p:txBody>
+          <a:bodyPr vert="horz" lIns="91440" tIns="45720" rIns="91440" bIns="45720" rtlCol="0">
+            <a:normAutofit/>
+          </a:bodyPr>
+          <a:lstStyle/>
+          <a:p>
+            <a:pPr marL="0" indent="0" algn="ctr">
+              <a:buNone/>
+            </a:pPr>
+            <a:r>
+              <a:rPr lang="en-US" sz="2400" kern="1200">
+                <a:solidFill>
+                  <a:schemeClr val="tx1"/>
+                </a:solidFill>
+                <a:latin typeface="+mn-lt"/>
+                <a:ea typeface="+mn-ea"/>
+                <a:cs typeface="+mn-cs"/>
+              </a:rPr>
+              <a:t>Unit Tests</a:t>
+            </a:r>
+          </a:p>
+        </p:txBody>
+      </p:sp>
+    </p:spTree>
+    <p:extLst>
+      <p:ext uri="{BB962C8B-B14F-4D97-AF65-F5344CB8AC3E}">
+        <p14:creationId xmlns:p14="http://schemas.microsoft.com/office/powerpoint/2010/main" val="4172050231"/>
+      </p:ext>
+    </p:extLst>
+  </p:cSld>
+  <p:clrMapOvr>
+    <a:masterClrMapping/>
+  </p:clrMapOvr>
+</p:sld>
+</file>
+
+<file path=ppt/slides/slide11.xml><?xml version="1.0" encoding="utf-8"?>
+<p:sld xmlns:a="http://schemas.openxmlformats.org/drawingml/2006/main" xmlns:r="http://schemas.openxmlformats.org/officeDocument/2006/relationships" xmlns:p="http://schemas.openxmlformats.org/presentationml/2006/main">
+  <p:cSld>
     <p:spTree>
       <p:nvGrpSpPr>
         <p:cNvPr id="1" name=""/>
@@ -4071,7 +4398,7 @@
 </p:sld>
 </file>
 
-<file path=ppt/slides/slide11.xml><?xml version="1.0" encoding="utf-8"?>
+<file path=ppt/slides/slide12.xml><?xml version="1.0" encoding="utf-8"?>
 <p:sld xmlns:a="http://schemas.openxmlformats.org/drawingml/2006/main" xmlns:r="http://schemas.openxmlformats.org/officeDocument/2006/relationships" xmlns:p="http://schemas.openxmlformats.org/presentationml/2006/main">
   <p:cSld>
     <p:bg>
@@ -4397,7 +4724,7 @@
 </p:sld>
 </file>
 
-<file path=ppt/slides/slide12.xml><?xml version="1.0" encoding="utf-8"?>
+<file path=ppt/slides/slide13.xml><?xml version="1.0" encoding="utf-8"?>
 <p:sld xmlns:a="http://schemas.openxmlformats.org/drawingml/2006/main" xmlns:r="http://schemas.openxmlformats.org/officeDocument/2006/relationships" xmlns:p="http://schemas.openxmlformats.org/presentationml/2006/main">
   <p:cSld>
     <p:spTree>
@@ -4909,7 +5236,7 @@
 </p:sld>
 </file>
 
-<file path=ppt/slides/slide13.xml><?xml version="1.0" encoding="utf-8"?>
+<file path=ppt/slides/slide14.xml><?xml version="1.0" encoding="utf-8"?>
 <p:sld xmlns:a="http://schemas.openxmlformats.org/drawingml/2006/main" xmlns:r="http://schemas.openxmlformats.org/officeDocument/2006/relationships" xmlns:p="http://schemas.openxmlformats.org/presentationml/2006/main">
   <p:cSld>
     <p:bg>
@@ -5235,7 +5562,7 @@
 </p:sld>
 </file>
 
-<file path=ppt/slides/slide14.xml><?xml version="1.0" encoding="utf-8"?>
+<file path=ppt/slides/slide15.xml><?xml version="1.0" encoding="utf-8"?>
 <p:sld xmlns:a="http://schemas.openxmlformats.org/drawingml/2006/main" xmlns:r="http://schemas.openxmlformats.org/officeDocument/2006/relationships" xmlns:p="http://schemas.openxmlformats.org/presentationml/2006/main">
   <p:cSld>
     <p:spTree>
@@ -5909,6 +6236,707 @@
           <p:cNvPr id="2" name="Title 1">
             <a:extLst>
               <a:ext uri="{FF2B5EF4-FFF2-40B4-BE49-F238E27FC236}">
+                <a16:creationId xmlns:a16="http://schemas.microsoft.com/office/drawing/2014/main" id="{C5BCE856-8E16-4840-8B68-E9ADBD282994}"/>
+              </a:ext>
+            </a:extLst>
+          </p:cNvPr>
+          <p:cNvSpPr>
+            <a:spLocks noGrp="1"/>
+          </p:cNvSpPr>
+          <p:nvPr>
+            <p:ph type="title"/>
+          </p:nvPr>
+        </p:nvSpPr>
+        <p:spPr>
+          <a:xfrm>
+            <a:off x="838200" y="963877"/>
+            <a:ext cx="3494362" cy="4930246"/>
+          </a:xfrm>
+        </p:spPr>
+        <p:txBody>
+          <a:bodyPr>
+            <a:normAutofit/>
+          </a:bodyPr>
+          <a:lstStyle/>
+          <a:p>
+            <a:pPr algn="ctr"/>
+            <a:r>
+              <a:rPr lang="en-US" dirty="0">
+                <a:solidFill>
+                  <a:schemeClr val="accent1"/>
+                </a:solidFill>
+                <a:latin typeface="Segoe UI" panose="020B0502040204020203" pitchFamily="34" charset="0"/>
+                <a:cs typeface="Segoe UI" panose="020B0502040204020203" pitchFamily="34" charset="0"/>
+              </a:rPr>
+              <a:t>About Me!</a:t>
+            </a:r>
+          </a:p>
+        </p:txBody>
+      </p:sp>
+      <p:sp>
+        <p:nvSpPr>
+          <p:cNvPr id="3" name="Content Placeholder 2">
+            <a:extLst>
+              <a:ext uri="{FF2B5EF4-FFF2-40B4-BE49-F238E27FC236}">
+                <a16:creationId xmlns:a16="http://schemas.microsoft.com/office/drawing/2014/main" id="{749F647E-8C11-48AF-BCDD-48A620601B65}"/>
+              </a:ext>
+            </a:extLst>
+          </p:cNvPr>
+          <p:cNvSpPr>
+            <a:spLocks noGrp="1"/>
+          </p:cNvSpPr>
+          <p:nvPr>
+            <p:ph idx="1"/>
+          </p:nvPr>
+        </p:nvSpPr>
+        <p:spPr>
+          <a:xfrm>
+            <a:off x="4976031" y="963877"/>
+            <a:ext cx="6377769" cy="4930246"/>
+          </a:xfrm>
+        </p:spPr>
+        <p:txBody>
+          <a:bodyPr anchor="ctr">
+            <a:normAutofit/>
+          </a:bodyPr>
+          <a:lstStyle/>
+          <a:p>
+            <a:r>
+              <a:rPr lang="en-US" sz="2400" dirty="0">
+                <a:latin typeface="Segoe UI" panose="020B0502040204020203" pitchFamily="34" charset="0"/>
+                <a:cs typeface="Segoe UI" panose="020B0502040204020203" pitchFamily="34" charset="0"/>
+              </a:rPr>
+              <a:t>Automation fanatic!</a:t>
+            </a:r>
+          </a:p>
+          <a:p>
+            <a:r>
+              <a:rPr lang="en-US" sz="2400" dirty="0">
+                <a:latin typeface="Segoe UI" panose="020B0502040204020203" pitchFamily="34" charset="0"/>
+                <a:cs typeface="Segoe UI" panose="020B0502040204020203" pitchFamily="34" charset="0"/>
+              </a:rPr>
+              <a:t>Distinguished Member Technical Staff at Dell EMC</a:t>
+            </a:r>
+          </a:p>
+          <a:p>
+            <a:r>
+              <a:rPr lang="en-US" sz="2400" dirty="0">
+                <a:latin typeface="Segoe UI" panose="020B0502040204020203" pitchFamily="34" charset="0"/>
+                <a:cs typeface="Segoe UI" panose="020B0502040204020203" pitchFamily="34" charset="0"/>
+              </a:rPr>
+              <a:t>Founder and Editor – PowerShell Magazine</a:t>
+            </a:r>
+          </a:p>
+          <a:p>
+            <a:r>
+              <a:rPr lang="en-US" sz="2400" dirty="0">
+                <a:latin typeface="Segoe UI" panose="020B0502040204020203" pitchFamily="34" charset="0"/>
+                <a:cs typeface="Segoe UI" panose="020B0502040204020203" pitchFamily="34" charset="0"/>
+              </a:rPr>
+              <a:t>Microsoft MVP (CDM)</a:t>
+            </a:r>
+          </a:p>
+          <a:p>
+            <a:r>
+              <a:rPr lang="en-US" sz="2400" dirty="0">
+                <a:latin typeface="Segoe UI" panose="020B0502040204020203" pitchFamily="34" charset="0"/>
+                <a:cs typeface="Segoe UI" panose="020B0502040204020203" pitchFamily="34" charset="0"/>
+              </a:rPr>
+              <a:t>Published Author</a:t>
+            </a:r>
+          </a:p>
+          <a:p>
+            <a:pPr lvl="1"/>
+            <a:r>
+              <a:rPr lang="en-US" dirty="0">
+                <a:latin typeface="Segoe UI" panose="020B0502040204020203" pitchFamily="34" charset="0"/>
+                <a:cs typeface="Segoe UI" panose="020B0502040204020203" pitchFamily="34" charset="0"/>
+              </a:rPr>
+              <a:t>Windows PowerShell Desired State Configuration Revealed (Apress)</a:t>
+            </a:r>
+          </a:p>
+          <a:p>
+            <a:pPr lvl="1"/>
+            <a:r>
+              <a:rPr lang="en-US" dirty="0">
+                <a:latin typeface="Segoe UI" panose="020B0502040204020203" pitchFamily="34" charset="0"/>
+                <a:cs typeface="Segoe UI" panose="020B0502040204020203" pitchFamily="34" charset="0"/>
+              </a:rPr>
+              <a:t>Pro PowerShell Desired State Configuration (Apress)</a:t>
+            </a:r>
+          </a:p>
+          <a:p>
+            <a:pPr lvl="1"/>
+            <a:r>
+              <a:rPr lang="en-US" dirty="0">
+                <a:latin typeface="Segoe UI" panose="020B0502040204020203" pitchFamily="34" charset="0"/>
+                <a:cs typeface="Segoe UI" panose="020B0502040204020203" pitchFamily="34" charset="0"/>
+              </a:rPr>
+              <a:t>Some more (coming soon!)</a:t>
+            </a:r>
+          </a:p>
+        </p:txBody>
+      </p:sp>
+      <p:pic>
+        <p:nvPicPr>
+          <p:cNvPr id="35" name="Picture 34">
+            <a:extLst>
+              <a:ext uri="{FF2B5EF4-FFF2-40B4-BE49-F238E27FC236}">
+                <a16:creationId xmlns:a16="http://schemas.microsoft.com/office/drawing/2014/main" id="{E2CB7440-F851-438B-94BB-81628F83B6E2}"/>
+              </a:ext>
+            </a:extLst>
+          </p:cNvPr>
+          <p:cNvPicPr>
+            <a:picLocks noChangeAspect="1"/>
+          </p:cNvPicPr>
+          <p:nvPr/>
+        </p:nvPicPr>
+        <p:blipFill>
+          <a:blip r:embed="rId2">
+            <a:clrChange>
+              <a:clrFrom>
+                <a:srgbClr val="FFFFFF"/>
+              </a:clrFrom>
+              <a:clrTo>
+                <a:srgbClr val="FFFFFF">
+                  <a:alpha val="0"/>
+                </a:srgbClr>
+              </a:clrTo>
+            </a:clrChange>
+            <a:duotone>
+              <a:schemeClr val="accent3">
+                <a:shade val="45000"/>
+                <a:satMod val="135000"/>
+              </a:schemeClr>
+              <a:prstClr val="white"/>
+            </a:duotone>
+            <a:extLst>
+              <a:ext uri="{28A0092B-C50C-407E-A947-70E740481C1C}">
+                <a14:useLocalDpi xmlns:a14="http://schemas.microsoft.com/office/drawing/2010/main" val="0"/>
+              </a:ext>
+            </a:extLst>
+          </a:blip>
+          <a:stretch>
+            <a:fillRect/>
+          </a:stretch>
+        </p:blipFill>
+        <p:spPr>
+          <a:xfrm>
+            <a:off x="1488168" y="3858769"/>
+            <a:ext cx="1153398" cy="1100857"/>
+          </a:xfrm>
+          <a:prstGeom prst="rect">
+            <a:avLst/>
+          </a:prstGeom>
+        </p:spPr>
+      </p:pic>
+      <p:sp>
+        <p:nvSpPr>
+          <p:cNvPr id="37" name="Rectangle 36">
+            <a:extLst>
+              <a:ext uri="{FF2B5EF4-FFF2-40B4-BE49-F238E27FC236}">
+                <a16:creationId xmlns:a16="http://schemas.microsoft.com/office/drawing/2014/main" id="{2C57B61C-7010-4E13-BE50-7165163183AF}"/>
+              </a:ext>
+            </a:extLst>
+          </p:cNvPr>
+          <p:cNvSpPr/>
+          <p:nvPr/>
+        </p:nvSpPr>
+        <p:spPr>
+          <a:xfrm>
+            <a:off x="2474883" y="4081541"/>
+            <a:ext cx="1888814" cy="307777"/>
+          </a:xfrm>
+          <a:prstGeom prst="rect">
+            <a:avLst/>
+          </a:prstGeom>
+          <a:noFill/>
+        </p:spPr>
+        <p:txBody>
+          <a:bodyPr wrap="square" lIns="91440" tIns="45720" rIns="91440" bIns="45720">
+            <a:spAutoFit/>
+          </a:bodyPr>
+          <a:lstStyle/>
+          <a:p>
+            <a:r>
+              <a:rPr lang="en-US" sz="1400" b="1" dirty="0">
+                <a:ln w="10160">
+                  <a:solidFill>
+                    <a:schemeClr val="tx2">
+                      <a:lumMod val="40000"/>
+                      <a:lumOff val="60000"/>
+                    </a:schemeClr>
+                  </a:solidFill>
+                  <a:prstDash val="solid"/>
+                </a:ln>
+                <a:solidFill>
+                  <a:schemeClr val="bg1">
+                    <a:lumMod val="75000"/>
+                  </a:schemeClr>
+                </a:solidFill>
+                <a:ea typeface="Kailasa" charset="0"/>
+                <a:cs typeface="Kailasa" charset="0"/>
+              </a:rPr>
+              <a:t>PowerShell Conference </a:t>
+            </a:r>
+          </a:p>
+        </p:txBody>
+      </p:sp>
+      <p:sp>
+        <p:nvSpPr>
+          <p:cNvPr id="38" name="Rectangle 37">
+            <a:extLst>
+              <a:ext uri="{FF2B5EF4-FFF2-40B4-BE49-F238E27FC236}">
+                <a16:creationId xmlns:a16="http://schemas.microsoft.com/office/drawing/2014/main" id="{8C85F212-7132-4703-83D2-56FF469B5D2C}"/>
+              </a:ext>
+            </a:extLst>
+          </p:cNvPr>
+          <p:cNvSpPr/>
+          <p:nvPr/>
+        </p:nvSpPr>
+        <p:spPr>
+          <a:xfrm>
+            <a:off x="2586005" y="4356755"/>
+            <a:ext cx="1888814" cy="307777"/>
+          </a:xfrm>
+          <a:prstGeom prst="rect">
+            <a:avLst/>
+          </a:prstGeom>
+          <a:noFill/>
+        </p:spPr>
+        <p:txBody>
+          <a:bodyPr wrap="square" lIns="91440" tIns="45720" rIns="91440" bIns="45720">
+            <a:spAutoFit/>
+          </a:bodyPr>
+          <a:lstStyle/>
+          <a:p>
+            <a:r>
+              <a:rPr lang="en-US" sz="1400" b="1" dirty="0">
+                <a:ln w="10160">
+                  <a:solidFill>
+                    <a:schemeClr val="tx2">
+                      <a:lumMod val="40000"/>
+                      <a:lumOff val="60000"/>
+                    </a:schemeClr>
+                  </a:solidFill>
+                  <a:prstDash val="solid"/>
+                </a:ln>
+                <a:solidFill>
+                  <a:schemeClr val="bg1">
+                    <a:lumMod val="75000"/>
+                  </a:schemeClr>
+                </a:solidFill>
+                <a:ea typeface="Kailasa" charset="0"/>
+                <a:cs typeface="Kailasa" charset="0"/>
+              </a:rPr>
+              <a:t>Singapore 2018</a:t>
+            </a:r>
+          </a:p>
+        </p:txBody>
+      </p:sp>
+    </p:spTree>
+    <p:extLst>
+      <p:ext uri="{BB962C8B-B14F-4D97-AF65-F5344CB8AC3E}">
+        <p14:creationId xmlns:p14="http://schemas.microsoft.com/office/powerpoint/2010/main" val="1546282383"/>
+      </p:ext>
+    </p:extLst>
+  </p:cSld>
+  <p:clrMapOvr>
+    <a:masterClrMapping/>
+  </p:clrMapOvr>
+  <p:timing>
+    <p:tnLst>
+      <p:par>
+        <p:cTn id="1" dur="indefinite" restart="never" nodeType="tmRoot">
+          <p:childTnLst>
+            <p:seq concurrent="1" nextAc="seek">
+              <p:cTn id="2" dur="indefinite" nodeType="mainSeq">
+                <p:childTnLst>
+                  <p:par>
+                    <p:cTn id="3" fill="hold">
+                      <p:stCondLst>
+                        <p:cond delay="indefinite"/>
+                      </p:stCondLst>
+                      <p:childTnLst>
+                        <p:par>
+                          <p:cTn id="4" fill="hold">
+                            <p:stCondLst>
+                              <p:cond delay="0"/>
+                            </p:stCondLst>
+                            <p:childTnLst>
+                              <p:par>
+                                <p:cTn id="5" presetID="1" presetClass="entr" presetSubtype="0" fill="hold" nodeType="clickEffect">
+                                  <p:stCondLst>
+                                    <p:cond delay="0"/>
+                                  </p:stCondLst>
+                                  <p:childTnLst>
+                                    <p:set>
+                                      <p:cBhvr>
+                                        <p:cTn id="6" dur="1" fill="hold">
+                                          <p:stCondLst>
+                                            <p:cond delay="0"/>
+                                          </p:stCondLst>
+                                        </p:cTn>
+                                        <p:tgtEl>
+                                          <p:spTgt spid="3">
+                                            <p:txEl>
+                                              <p:pRg st="0" end="0"/>
+                                            </p:txEl>
+                                          </p:spTgt>
+                                        </p:tgtEl>
+                                        <p:attrNameLst>
+                                          <p:attrName>style.visibility</p:attrName>
+                                        </p:attrNameLst>
+                                      </p:cBhvr>
+                                      <p:to>
+                                        <p:strVal val="visible"/>
+                                      </p:to>
+                                    </p:set>
+                                  </p:childTnLst>
+                                </p:cTn>
+                              </p:par>
+                            </p:childTnLst>
+                          </p:cTn>
+                        </p:par>
+                      </p:childTnLst>
+                    </p:cTn>
+                  </p:par>
+                  <p:par>
+                    <p:cTn id="7" fill="hold">
+                      <p:stCondLst>
+                        <p:cond delay="indefinite"/>
+                      </p:stCondLst>
+                      <p:childTnLst>
+                        <p:par>
+                          <p:cTn id="8" fill="hold">
+                            <p:stCondLst>
+                              <p:cond delay="0"/>
+                            </p:stCondLst>
+                            <p:childTnLst>
+                              <p:par>
+                                <p:cTn id="9" presetID="1" presetClass="entr" presetSubtype="0" fill="hold" nodeType="clickEffect">
+                                  <p:stCondLst>
+                                    <p:cond delay="0"/>
+                                  </p:stCondLst>
+                                  <p:childTnLst>
+                                    <p:set>
+                                      <p:cBhvr>
+                                        <p:cTn id="10" dur="1" fill="hold">
+                                          <p:stCondLst>
+                                            <p:cond delay="0"/>
+                                          </p:stCondLst>
+                                        </p:cTn>
+                                        <p:tgtEl>
+                                          <p:spTgt spid="3">
+                                            <p:txEl>
+                                              <p:pRg st="1" end="1"/>
+                                            </p:txEl>
+                                          </p:spTgt>
+                                        </p:tgtEl>
+                                        <p:attrNameLst>
+                                          <p:attrName>style.visibility</p:attrName>
+                                        </p:attrNameLst>
+                                      </p:cBhvr>
+                                      <p:to>
+                                        <p:strVal val="visible"/>
+                                      </p:to>
+                                    </p:set>
+                                  </p:childTnLst>
+                                </p:cTn>
+                              </p:par>
+                            </p:childTnLst>
+                          </p:cTn>
+                        </p:par>
+                      </p:childTnLst>
+                    </p:cTn>
+                  </p:par>
+                  <p:par>
+                    <p:cTn id="11" fill="hold">
+                      <p:stCondLst>
+                        <p:cond delay="indefinite"/>
+                      </p:stCondLst>
+                      <p:childTnLst>
+                        <p:par>
+                          <p:cTn id="12" fill="hold">
+                            <p:stCondLst>
+                              <p:cond delay="0"/>
+                            </p:stCondLst>
+                            <p:childTnLst>
+                              <p:par>
+                                <p:cTn id="13" presetID="1" presetClass="entr" presetSubtype="0" fill="hold" nodeType="clickEffect">
+                                  <p:stCondLst>
+                                    <p:cond delay="0"/>
+                                  </p:stCondLst>
+                                  <p:childTnLst>
+                                    <p:set>
+                                      <p:cBhvr>
+                                        <p:cTn id="14" dur="1" fill="hold">
+                                          <p:stCondLst>
+                                            <p:cond delay="0"/>
+                                          </p:stCondLst>
+                                        </p:cTn>
+                                        <p:tgtEl>
+                                          <p:spTgt spid="3">
+                                            <p:txEl>
+                                              <p:pRg st="2" end="2"/>
+                                            </p:txEl>
+                                          </p:spTgt>
+                                        </p:tgtEl>
+                                        <p:attrNameLst>
+                                          <p:attrName>style.visibility</p:attrName>
+                                        </p:attrNameLst>
+                                      </p:cBhvr>
+                                      <p:to>
+                                        <p:strVal val="visible"/>
+                                      </p:to>
+                                    </p:set>
+                                  </p:childTnLst>
+                                </p:cTn>
+                              </p:par>
+                            </p:childTnLst>
+                          </p:cTn>
+                        </p:par>
+                      </p:childTnLst>
+                    </p:cTn>
+                  </p:par>
+                  <p:par>
+                    <p:cTn id="15" fill="hold">
+                      <p:stCondLst>
+                        <p:cond delay="indefinite"/>
+                      </p:stCondLst>
+                      <p:childTnLst>
+                        <p:par>
+                          <p:cTn id="16" fill="hold">
+                            <p:stCondLst>
+                              <p:cond delay="0"/>
+                            </p:stCondLst>
+                            <p:childTnLst>
+                              <p:par>
+                                <p:cTn id="17" presetID="1" presetClass="entr" presetSubtype="0" fill="hold" nodeType="clickEffect">
+                                  <p:stCondLst>
+                                    <p:cond delay="0"/>
+                                  </p:stCondLst>
+                                  <p:childTnLst>
+                                    <p:set>
+                                      <p:cBhvr>
+                                        <p:cTn id="18" dur="1" fill="hold">
+                                          <p:stCondLst>
+                                            <p:cond delay="0"/>
+                                          </p:stCondLst>
+                                        </p:cTn>
+                                        <p:tgtEl>
+                                          <p:spTgt spid="3">
+                                            <p:txEl>
+                                              <p:pRg st="3" end="3"/>
+                                            </p:txEl>
+                                          </p:spTgt>
+                                        </p:tgtEl>
+                                        <p:attrNameLst>
+                                          <p:attrName>style.visibility</p:attrName>
+                                        </p:attrNameLst>
+                                      </p:cBhvr>
+                                      <p:to>
+                                        <p:strVal val="visible"/>
+                                      </p:to>
+                                    </p:set>
+                                  </p:childTnLst>
+                                </p:cTn>
+                              </p:par>
+                            </p:childTnLst>
+                          </p:cTn>
+                        </p:par>
+                      </p:childTnLst>
+                    </p:cTn>
+                  </p:par>
+                  <p:par>
+                    <p:cTn id="19" fill="hold">
+                      <p:stCondLst>
+                        <p:cond delay="indefinite"/>
+                      </p:stCondLst>
+                      <p:childTnLst>
+                        <p:par>
+                          <p:cTn id="20" fill="hold">
+                            <p:stCondLst>
+                              <p:cond delay="0"/>
+                            </p:stCondLst>
+                            <p:childTnLst>
+                              <p:par>
+                                <p:cTn id="21" presetID="1" presetClass="entr" presetSubtype="0" fill="hold" nodeType="clickEffect">
+                                  <p:stCondLst>
+                                    <p:cond delay="0"/>
+                                  </p:stCondLst>
+                                  <p:childTnLst>
+                                    <p:set>
+                                      <p:cBhvr>
+                                        <p:cTn id="22" dur="1" fill="hold">
+                                          <p:stCondLst>
+                                            <p:cond delay="0"/>
+                                          </p:stCondLst>
+                                        </p:cTn>
+                                        <p:tgtEl>
+                                          <p:spTgt spid="3">
+                                            <p:txEl>
+                                              <p:pRg st="4" end="4"/>
+                                            </p:txEl>
+                                          </p:spTgt>
+                                        </p:tgtEl>
+                                        <p:attrNameLst>
+                                          <p:attrName>style.visibility</p:attrName>
+                                        </p:attrNameLst>
+                                      </p:cBhvr>
+                                      <p:to>
+                                        <p:strVal val="visible"/>
+                                      </p:to>
+                                    </p:set>
+                                  </p:childTnLst>
+                                </p:cTn>
+                              </p:par>
+                              <p:par>
+                                <p:cTn id="23" presetID="1" presetClass="entr" presetSubtype="0" fill="hold" nodeType="withEffect">
+                                  <p:stCondLst>
+                                    <p:cond delay="0"/>
+                                  </p:stCondLst>
+                                  <p:childTnLst>
+                                    <p:set>
+                                      <p:cBhvr>
+                                        <p:cTn id="24" dur="1" fill="hold">
+                                          <p:stCondLst>
+                                            <p:cond delay="0"/>
+                                          </p:stCondLst>
+                                        </p:cTn>
+                                        <p:tgtEl>
+                                          <p:spTgt spid="3">
+                                            <p:txEl>
+                                              <p:pRg st="5" end="5"/>
+                                            </p:txEl>
+                                          </p:spTgt>
+                                        </p:tgtEl>
+                                        <p:attrNameLst>
+                                          <p:attrName>style.visibility</p:attrName>
+                                        </p:attrNameLst>
+                                      </p:cBhvr>
+                                      <p:to>
+                                        <p:strVal val="visible"/>
+                                      </p:to>
+                                    </p:set>
+                                  </p:childTnLst>
+                                </p:cTn>
+                              </p:par>
+                              <p:par>
+                                <p:cTn id="25" presetID="1" presetClass="entr" presetSubtype="0" fill="hold" nodeType="withEffect">
+                                  <p:stCondLst>
+                                    <p:cond delay="0"/>
+                                  </p:stCondLst>
+                                  <p:childTnLst>
+                                    <p:set>
+                                      <p:cBhvr>
+                                        <p:cTn id="26" dur="1" fill="hold">
+                                          <p:stCondLst>
+                                            <p:cond delay="0"/>
+                                          </p:stCondLst>
+                                        </p:cTn>
+                                        <p:tgtEl>
+                                          <p:spTgt spid="3">
+                                            <p:txEl>
+                                              <p:pRg st="6" end="6"/>
+                                            </p:txEl>
+                                          </p:spTgt>
+                                        </p:tgtEl>
+                                        <p:attrNameLst>
+                                          <p:attrName>style.visibility</p:attrName>
+                                        </p:attrNameLst>
+                                      </p:cBhvr>
+                                      <p:to>
+                                        <p:strVal val="visible"/>
+                                      </p:to>
+                                    </p:set>
+                                  </p:childTnLst>
+                                </p:cTn>
+                              </p:par>
+                              <p:par>
+                                <p:cTn id="27" presetID="1" presetClass="entr" presetSubtype="0" fill="hold" nodeType="withEffect">
+                                  <p:stCondLst>
+                                    <p:cond delay="0"/>
+                                  </p:stCondLst>
+                                  <p:childTnLst>
+                                    <p:set>
+                                      <p:cBhvr>
+                                        <p:cTn id="28" dur="1" fill="hold">
+                                          <p:stCondLst>
+                                            <p:cond delay="0"/>
+                                          </p:stCondLst>
+                                        </p:cTn>
+                                        <p:tgtEl>
+                                          <p:spTgt spid="3">
+                                            <p:txEl>
+                                              <p:pRg st="7" end="7"/>
+                                            </p:txEl>
+                                          </p:spTgt>
+                                        </p:tgtEl>
+                                        <p:attrNameLst>
+                                          <p:attrName>style.visibility</p:attrName>
+                                        </p:attrNameLst>
+                                      </p:cBhvr>
+                                      <p:to>
+                                        <p:strVal val="visible"/>
+                                      </p:to>
+                                    </p:set>
+                                  </p:childTnLst>
+                                </p:cTn>
+                              </p:par>
+                            </p:childTnLst>
+                          </p:cTn>
+                        </p:par>
+                      </p:childTnLst>
+                    </p:cTn>
+                  </p:par>
+                </p:childTnLst>
+              </p:cTn>
+              <p:prevCondLst>
+                <p:cond evt="onPrev" delay="0">
+                  <p:tgtEl>
+                    <p:sldTgt/>
+                  </p:tgtEl>
+                </p:cond>
+              </p:prevCondLst>
+              <p:nextCondLst>
+                <p:cond evt="onNext" delay="0">
+                  <p:tgtEl>
+                    <p:sldTgt/>
+                  </p:tgtEl>
+                </p:cond>
+              </p:nextCondLst>
+            </p:seq>
+          </p:childTnLst>
+        </p:cTn>
+      </p:par>
+    </p:tnLst>
+  </p:timing>
+</p:sld>
+</file>
+
+<file path=ppt/slides/slide3.xml><?xml version="1.0" encoding="utf-8"?>
+<p:sld xmlns:a="http://schemas.openxmlformats.org/drawingml/2006/main" xmlns:r="http://schemas.openxmlformats.org/officeDocument/2006/relationships" xmlns:p="http://schemas.openxmlformats.org/presentationml/2006/main">
+  <p:cSld>
+    <p:spTree>
+      <p:nvGrpSpPr>
+        <p:cNvPr id="1" name=""/>
+        <p:cNvGrpSpPr/>
+        <p:nvPr/>
+      </p:nvGrpSpPr>
+      <p:grpSpPr>
+        <a:xfrm>
+          <a:off x="0" y="0"/>
+          <a:ext cx="0" cy="0"/>
+          <a:chOff x="0" y="0"/>
+          <a:chExt cx="0" cy="0"/>
+        </a:xfrm>
+      </p:grpSpPr>
+      <p:sp>
+        <p:nvSpPr>
+          <p:cNvPr id="2" name="Title 1">
+            <a:extLst>
+              <a:ext uri="{FF2B5EF4-FFF2-40B4-BE49-F238E27FC236}">
                 <a16:creationId xmlns:a16="http://schemas.microsoft.com/office/drawing/2014/main" id="{7C8C0AB7-A3B7-4317-B735-2DB0C7F87A67}"/>
               </a:ext>
             </a:extLst>
@@ -6071,7 +7099,7 @@
 </p:sld>
 </file>
 
-<file path=ppt/slides/slide3.xml><?xml version="1.0" encoding="utf-8"?>
+<file path=ppt/slides/slide4.xml><?xml version="1.0" encoding="utf-8"?>
 <p:sld xmlns:a="http://schemas.openxmlformats.org/drawingml/2006/main" xmlns:r="http://schemas.openxmlformats.org/officeDocument/2006/relationships" xmlns:p="http://schemas.openxmlformats.org/presentationml/2006/main">
   <p:cSld>
     <p:spTree>
@@ -6324,7 +7352,7 @@
 </p:sld>
 </file>
 
-<file path=ppt/slides/slide4.xml><?xml version="1.0" encoding="utf-8"?>
+<file path=ppt/slides/slide5.xml><?xml version="1.0" encoding="utf-8"?>
 <p:sld xmlns:a="http://schemas.openxmlformats.org/drawingml/2006/main" xmlns:r="http://schemas.openxmlformats.org/officeDocument/2006/relationships" xmlns:p="http://schemas.openxmlformats.org/presentationml/2006/main">
   <p:cSld>
     <p:spTree>
@@ -6629,7 +7657,7 @@
 </p:sld>
 </file>
 
-<file path=ppt/slides/slide5.xml><?xml version="1.0" encoding="utf-8"?>
+<file path=ppt/slides/slide6.xml><?xml version="1.0" encoding="utf-8"?>
 <p:sld xmlns:a="http://schemas.openxmlformats.org/drawingml/2006/main" xmlns:r="http://schemas.openxmlformats.org/officeDocument/2006/relationships" xmlns:p="http://schemas.openxmlformats.org/presentationml/2006/main">
   <p:cSld>
     <p:spTree>
@@ -6835,7 +7863,7 @@
 </p:sld>
 </file>
 
-<file path=ppt/slides/slide6.xml><?xml version="1.0" encoding="utf-8"?>
+<file path=ppt/slides/slide7.xml><?xml version="1.0" encoding="utf-8"?>
 <p:sld xmlns:a="http://schemas.openxmlformats.org/drawingml/2006/main" xmlns:r="http://schemas.openxmlformats.org/officeDocument/2006/relationships" xmlns:p="http://schemas.openxmlformats.org/presentationml/2006/main">
   <p:cSld>
     <p:spTree>
@@ -7002,6 +8030,88 @@
           </a:p>
         </p:txBody>
       </p:sp>
+      <p:pic>
+        <p:nvPicPr>
+          <p:cNvPr id="5" name="Picture 4">
+            <a:extLst>
+              <a:ext uri="{FF2B5EF4-FFF2-40B4-BE49-F238E27FC236}">
+                <a16:creationId xmlns:a16="http://schemas.microsoft.com/office/drawing/2014/main" id="{5AB140A2-3378-4559-86C9-7F65E3F0FD29}"/>
+              </a:ext>
+            </a:extLst>
+          </p:cNvPr>
+          <p:cNvPicPr>
+            <a:picLocks noChangeAspect="1"/>
+          </p:cNvPicPr>
+          <p:nvPr/>
+        </p:nvPicPr>
+        <p:blipFill>
+          <a:blip r:embed="rId4"/>
+          <a:stretch>
+            <a:fillRect/>
+          </a:stretch>
+        </p:blipFill>
+        <p:spPr>
+          <a:xfrm>
+            <a:off x="0" y="1346493"/>
+            <a:ext cx="12192000" cy="4165013"/>
+          </a:xfrm>
+          <a:prstGeom prst="rect">
+            <a:avLst/>
+          </a:prstGeom>
+        </p:spPr>
+      </p:pic>
+      <p:sp>
+        <p:nvSpPr>
+          <p:cNvPr id="6" name="Oval 5">
+            <a:extLst>
+              <a:ext uri="{FF2B5EF4-FFF2-40B4-BE49-F238E27FC236}">
+                <a16:creationId xmlns:a16="http://schemas.microsoft.com/office/drawing/2014/main" id="{B8860665-EBFA-4DD0-93F8-75285260B287}"/>
+              </a:ext>
+            </a:extLst>
+          </p:cNvPr>
+          <p:cNvSpPr/>
+          <p:nvPr/>
+        </p:nvSpPr>
+        <p:spPr>
+          <a:xfrm>
+            <a:off x="8638953" y="4371654"/>
+            <a:ext cx="3471531" cy="1325563"/>
+          </a:xfrm>
+          <a:prstGeom prst="ellipse">
+            <a:avLst/>
+          </a:prstGeom>
+          <a:noFill/>
+          <a:ln w="38100">
+            <a:solidFill>
+              <a:srgbClr val="00B050"/>
+            </a:solidFill>
+          </a:ln>
+        </p:spPr>
+        <p:style>
+          <a:lnRef idx="2">
+            <a:schemeClr val="accent1">
+              <a:shade val="50000"/>
+            </a:schemeClr>
+          </a:lnRef>
+          <a:fillRef idx="1">
+            <a:schemeClr val="accent1"/>
+          </a:fillRef>
+          <a:effectRef idx="0">
+            <a:schemeClr val="accent1"/>
+          </a:effectRef>
+          <a:fontRef idx="minor">
+            <a:schemeClr val="lt1"/>
+          </a:fontRef>
+        </p:style>
+        <p:txBody>
+          <a:bodyPr rtlCol="0" anchor="ctr"/>
+          <a:lstStyle/>
+          <a:p>
+            <a:pPr algn="ctr"/>
+            <a:endParaRPr lang="en-IN"/>
+          </a:p>
+        </p:txBody>
+      </p:sp>
     </p:spTree>
     <p:extLst>
       <p:ext uri="{BB962C8B-B14F-4D97-AF65-F5344CB8AC3E}">
@@ -7012,10 +8122,115 @@
   <p:clrMapOvr>
     <a:masterClrMapping/>
   </p:clrMapOvr>
+  <p:timing>
+    <p:tnLst>
+      <p:par>
+        <p:cTn id="1" dur="indefinite" restart="never" nodeType="tmRoot">
+          <p:childTnLst>
+            <p:seq concurrent="1" nextAc="seek">
+              <p:cTn id="2" dur="indefinite" nodeType="mainSeq">
+                <p:childTnLst>
+                  <p:par>
+                    <p:cTn id="3" fill="hold">
+                      <p:stCondLst>
+                        <p:cond delay="indefinite"/>
+                      </p:stCondLst>
+                      <p:childTnLst>
+                        <p:par>
+                          <p:cTn id="4" fill="hold">
+                            <p:stCondLst>
+                              <p:cond delay="0"/>
+                            </p:stCondLst>
+                            <p:childTnLst>
+                              <p:par>
+                                <p:cTn id="5" presetID="1" presetClass="entr" presetSubtype="0" fill="hold" nodeType="clickEffect">
+                                  <p:stCondLst>
+                                    <p:cond delay="0"/>
+                                  </p:stCondLst>
+                                  <p:childTnLst>
+                                    <p:set>
+                                      <p:cBhvr>
+                                        <p:cTn id="6" dur="1" fill="hold">
+                                          <p:stCondLst>
+                                            <p:cond delay="0"/>
+                                          </p:stCondLst>
+                                        </p:cTn>
+                                        <p:tgtEl>
+                                          <p:spTgt spid="5"/>
+                                        </p:tgtEl>
+                                        <p:attrNameLst>
+                                          <p:attrName>style.visibility</p:attrName>
+                                        </p:attrNameLst>
+                                      </p:cBhvr>
+                                      <p:to>
+                                        <p:strVal val="visible"/>
+                                      </p:to>
+                                    </p:set>
+                                  </p:childTnLst>
+                                </p:cTn>
+                              </p:par>
+                              <p:par>
+                                <p:cTn id="7" presetID="1" presetClass="entr" presetSubtype="0" fill="hold" grpId="0" nodeType="withEffect">
+                                  <p:stCondLst>
+                                    <p:cond delay="0"/>
+                                  </p:stCondLst>
+                                  <p:childTnLst>
+                                    <p:set>
+                                      <p:cBhvr>
+                                        <p:cTn id="8" dur="1" fill="hold">
+                                          <p:stCondLst>
+                                            <p:cond delay="0"/>
+                                          </p:stCondLst>
+                                        </p:cTn>
+                                        <p:tgtEl>
+                                          <p:spTgt spid="6"/>
+                                        </p:tgtEl>
+                                        <p:attrNameLst>
+                                          <p:attrName>style.visibility</p:attrName>
+                                        </p:attrNameLst>
+                                      </p:cBhvr>
+                                      <p:to>
+                                        <p:strVal val="visible"/>
+                                      </p:to>
+                                    </p:set>
+                                  </p:childTnLst>
+                                </p:cTn>
+                              </p:par>
+                            </p:childTnLst>
+                          </p:cTn>
+                        </p:par>
+                      </p:childTnLst>
+                    </p:cTn>
+                  </p:par>
+                </p:childTnLst>
+              </p:cTn>
+              <p:prevCondLst>
+                <p:cond evt="onPrev" delay="0">
+                  <p:tgtEl>
+                    <p:sldTgt/>
+                  </p:tgtEl>
+                </p:cond>
+              </p:prevCondLst>
+              <p:nextCondLst>
+                <p:cond evt="onNext" delay="0">
+                  <p:tgtEl>
+                    <p:sldTgt/>
+                  </p:tgtEl>
+                </p:cond>
+              </p:nextCondLst>
+            </p:seq>
+          </p:childTnLst>
+        </p:cTn>
+      </p:par>
+    </p:tnLst>
+    <p:bldLst>
+      <p:bldP spid="6" grpId="0" animBg="1"/>
+    </p:bldLst>
+  </p:timing>
 </p:sld>
 </file>
 
-<file path=ppt/slides/slide7.xml><?xml version="1.0" encoding="utf-8"?>
+<file path=ppt/slides/slide8.xml><?xml version="1.0" encoding="utf-8"?>
 <p:sld xmlns:a="http://schemas.openxmlformats.org/drawingml/2006/main" xmlns:r="http://schemas.openxmlformats.org/officeDocument/2006/relationships" xmlns:p="http://schemas.openxmlformats.org/presentationml/2006/main">
   <p:cSld>
     <p:bg>
@@ -7348,7 +8563,7 @@
 </p:sld>
 </file>
 
-<file path=ppt/slides/slide8.xml><?xml version="1.0" encoding="utf-8"?>
+<file path=ppt/slides/slide9.xml><?xml version="1.0" encoding="utf-8"?>
 <p:sld xmlns:a="http://schemas.openxmlformats.org/drawingml/2006/main" xmlns:r="http://schemas.openxmlformats.org/officeDocument/2006/relationships" xmlns:p="http://schemas.openxmlformats.org/presentationml/2006/main">
   <p:cSld>
     <p:spTree>
@@ -7502,332 +8717,6 @@
     <p:extLst>
       <p:ext uri="{BB962C8B-B14F-4D97-AF65-F5344CB8AC3E}">
         <p14:creationId xmlns:p14="http://schemas.microsoft.com/office/powerpoint/2010/main" val="2595132876"/>
-      </p:ext>
-    </p:extLst>
-  </p:cSld>
-  <p:clrMapOvr>
-    <a:masterClrMapping/>
-  </p:clrMapOvr>
-</p:sld>
-</file>
-
-<file path=ppt/slides/slide9.xml><?xml version="1.0" encoding="utf-8"?>
-<p:sld xmlns:a="http://schemas.openxmlformats.org/drawingml/2006/main" xmlns:r="http://schemas.openxmlformats.org/officeDocument/2006/relationships" xmlns:p="http://schemas.openxmlformats.org/presentationml/2006/main">
-  <p:cSld>
-    <p:bg>
-      <p:bgPr>
-        <a:solidFill>
-          <a:schemeClr val="bg1"/>
-        </a:solidFill>
-        <a:effectLst/>
-      </p:bgPr>
-    </p:bg>
-    <p:spTree>
-      <p:nvGrpSpPr>
-        <p:cNvPr id="1" name=""/>
-        <p:cNvGrpSpPr/>
-        <p:nvPr/>
-      </p:nvGrpSpPr>
-      <p:grpSpPr>
-        <a:xfrm>
-          <a:off x="0" y="0"/>
-          <a:ext cx="0" cy="0"/>
-          <a:chOff x="0" y="0"/>
-          <a:chExt cx="0" cy="0"/>
-        </a:xfrm>
-      </p:grpSpPr>
-      <p:sp>
-        <p:nvSpPr>
-          <p:cNvPr id="8" name="Rectangle 7">
-            <a:extLst>
-              <a:ext uri="{FF2B5EF4-FFF2-40B4-BE49-F238E27FC236}">
-                <a16:creationId xmlns:a16="http://schemas.microsoft.com/office/drawing/2014/main" id="{D8386171-E87D-46AB-8718-4CE2A88748BD}"/>
-              </a:ext>
-              <a:ext uri="{C183D7F6-B498-43B3-948B-1728B52AA6E4}">
-                <adec:decorative xmlns:adec="http://schemas.microsoft.com/office/drawing/2017/decorative" val="1"/>
-              </a:ext>
-            </a:extLst>
-          </p:cNvPr>
-          <p:cNvSpPr>
-            <a:spLocks noGrp="1" noRot="1" noChangeAspect="1" noMove="1" noResize="1" noEditPoints="1" noAdjustHandles="1" noChangeArrowheads="1" noChangeShapeType="1" noTextEdit="1"/>
-          </p:cNvSpPr>
-          <p:nvPr>
-            <p:extLst>
-              <p:ext uri="{386F3935-93C4-4BCD-93E2-E3B085C9AB24}">
-                <p16:designElem xmlns:p16="http://schemas.microsoft.com/office/powerpoint/2015/main" val="1"/>
-              </p:ext>
-            </p:extLst>
-          </p:nvPr>
-        </p:nvSpPr>
-        <p:spPr>
-          <a:xfrm>
-            <a:off x="0" y="0"/>
-            <a:ext cx="12192000" cy="6858000"/>
-          </a:xfrm>
-          <a:prstGeom prst="rect">
-            <a:avLst/>
-          </a:prstGeom>
-          <a:solidFill>
-            <a:srgbClr val="C8CACA"/>
-          </a:solidFill>
-          <a:ln>
-            <a:noFill/>
-          </a:ln>
-        </p:spPr>
-        <p:style>
-          <a:lnRef idx="2">
-            <a:schemeClr val="accent1">
-              <a:shade val="50000"/>
-            </a:schemeClr>
-          </a:lnRef>
-          <a:fillRef idx="1">
-            <a:schemeClr val="accent1"/>
-          </a:fillRef>
-          <a:effectRef idx="0">
-            <a:schemeClr val="accent1"/>
-          </a:effectRef>
-          <a:fontRef idx="minor">
-            <a:schemeClr val="lt1"/>
-          </a:fontRef>
-        </p:style>
-        <p:txBody>
-          <a:bodyPr rtlCol="0" anchor="ctr"/>
-          <a:lstStyle/>
-          <a:p>
-            <a:pPr algn="ctr"/>
-            <a:endParaRPr lang="en-US"/>
-          </a:p>
-        </p:txBody>
-      </p:sp>
-      <p:sp>
-        <p:nvSpPr>
-          <p:cNvPr id="10" name="Rounded Rectangle 26">
-            <a:extLst>
-              <a:ext uri="{FF2B5EF4-FFF2-40B4-BE49-F238E27FC236}">
-                <a16:creationId xmlns:a16="http://schemas.microsoft.com/office/drawing/2014/main" id="{207CB456-8849-413C-8210-B663779A32E0}"/>
-              </a:ext>
-              <a:ext uri="{C183D7F6-B498-43B3-948B-1728B52AA6E4}">
-                <adec:decorative xmlns:adec="http://schemas.microsoft.com/office/drawing/2017/decorative" val="1"/>
-              </a:ext>
-            </a:extLst>
-          </p:cNvPr>
-          <p:cNvSpPr>
-            <a:spLocks noGrp="1" noRot="1" noChangeAspect="1" noMove="1" noResize="1" noEditPoints="1" noAdjustHandles="1" noChangeArrowheads="1" noChangeShapeType="1" noTextEdit="1"/>
-          </p:cNvSpPr>
-          <p:nvPr>
-            <p:extLst>
-              <p:ext uri="{386F3935-93C4-4BCD-93E2-E3B085C9AB24}">
-                <p16:designElem xmlns:p16="http://schemas.microsoft.com/office/powerpoint/2015/main" val="1"/>
-              </p:ext>
-            </p:extLst>
-          </p:nvPr>
-        </p:nvSpPr>
-        <p:spPr>
-          <a:xfrm>
-            <a:off x="646745" y="640080"/>
-            <a:ext cx="10920415" cy="5577818"/>
-          </a:xfrm>
-          <a:prstGeom prst="roundRect">
-            <a:avLst>
-              <a:gd name="adj" fmla="val 0"/>
-            </a:avLst>
-          </a:prstGeom>
-          <a:solidFill>
-            <a:srgbClr val="FFFFFF"/>
-          </a:solidFill>
-          <a:ln w="9525">
-            <a:solidFill>
-              <a:srgbClr val="C8CACA"/>
-            </a:solidFill>
-          </a:ln>
-          <a:effectLst>
-            <a:outerShdw blurRad="57150" dist="19050" dir="5400000" algn="t" rotWithShape="0">
-              <a:prstClr val="black">
-                <a:alpha val="63000"/>
-              </a:prstClr>
-            </a:outerShdw>
-          </a:effectLst>
-        </p:spPr>
-        <p:style>
-          <a:lnRef idx="2">
-            <a:schemeClr val="accent1">
-              <a:shade val="50000"/>
-            </a:schemeClr>
-          </a:lnRef>
-          <a:fillRef idx="1">
-            <a:schemeClr val="accent1"/>
-          </a:fillRef>
-          <a:effectRef idx="0">
-            <a:schemeClr val="accent1"/>
-          </a:effectRef>
-          <a:fontRef idx="minor">
-            <a:schemeClr val="lt1"/>
-          </a:fontRef>
-        </p:style>
-        <p:txBody>
-          <a:bodyPr rtlCol="0" anchor="ctr"/>
-          <a:lstStyle/>
-          <a:p>
-            <a:pPr algn="ctr"/>
-            <a:endParaRPr lang="en-US"/>
-          </a:p>
-        </p:txBody>
-      </p:sp>
-      <p:sp>
-        <p:nvSpPr>
-          <p:cNvPr id="12" name="Rectangle 11">
-            <a:extLst>
-              <a:ext uri="{FF2B5EF4-FFF2-40B4-BE49-F238E27FC236}">
-                <a16:creationId xmlns:a16="http://schemas.microsoft.com/office/drawing/2014/main" id="{E513936D-D1EB-4E42-A97F-942BA1F3DFA7}"/>
-              </a:ext>
-              <a:ext uri="{C183D7F6-B498-43B3-948B-1728B52AA6E4}">
-                <adec:decorative xmlns:adec="http://schemas.microsoft.com/office/drawing/2017/decorative" val="1"/>
-              </a:ext>
-            </a:extLst>
-          </p:cNvPr>
-          <p:cNvSpPr>
-            <a:spLocks noGrp="1" noRot="1" noChangeAspect="1" noMove="1" noResize="1" noEditPoints="1" noAdjustHandles="1" noChangeArrowheads="1" noChangeShapeType="1" noTextEdit="1"/>
-          </p:cNvSpPr>
-          <p:nvPr>
-            <p:extLst>
-              <p:ext uri="{386F3935-93C4-4BCD-93E2-E3B085C9AB24}">
-                <p16:designElem xmlns:p16="http://schemas.microsoft.com/office/powerpoint/2015/main" val="1"/>
-              </p:ext>
-            </p:extLst>
-          </p:nvPr>
-        </p:nvSpPr>
-        <p:spPr>
-          <a:xfrm>
-            <a:off x="968024" y="960109"/>
-            <a:ext cx="10277856" cy="4937760"/>
-          </a:xfrm>
-          <a:prstGeom prst="rect">
-            <a:avLst/>
-          </a:prstGeom>
-          <a:solidFill>
-            <a:schemeClr val="bg2"/>
-          </a:solidFill>
-          <a:ln>
-            <a:noFill/>
-          </a:ln>
-        </p:spPr>
-        <p:style>
-          <a:lnRef idx="2">
-            <a:schemeClr val="accent1">
-              <a:shade val="50000"/>
-            </a:schemeClr>
-          </a:lnRef>
-          <a:fillRef idx="1">
-            <a:schemeClr val="accent1"/>
-          </a:fillRef>
-          <a:effectRef idx="0">
-            <a:schemeClr val="accent1"/>
-          </a:effectRef>
-          <a:fontRef idx="minor">
-            <a:schemeClr val="lt1"/>
-          </a:fontRef>
-        </p:style>
-        <p:txBody>
-          <a:bodyPr rtlCol="0" anchor="ctr"/>
-          <a:lstStyle/>
-          <a:p>
-            <a:pPr algn="ctr"/>
-            <a:endParaRPr lang="en-US"/>
-          </a:p>
-        </p:txBody>
-      </p:sp>
-      <p:sp>
-        <p:nvSpPr>
-          <p:cNvPr id="2" name="Title 1">
-            <a:extLst>
-              <a:ext uri="{FF2B5EF4-FFF2-40B4-BE49-F238E27FC236}">
-                <a16:creationId xmlns:a16="http://schemas.microsoft.com/office/drawing/2014/main" id="{BEBF09E7-BE51-45A2-B0A1-40EE8290B20E}"/>
-              </a:ext>
-            </a:extLst>
-          </p:cNvPr>
-          <p:cNvSpPr>
-            <a:spLocks noGrp="1"/>
-          </p:cNvSpPr>
-          <p:nvPr>
-            <p:ph type="title"/>
-          </p:nvPr>
-        </p:nvSpPr>
-        <p:spPr>
-          <a:xfrm>
-            <a:off x="1524000" y="1376362"/>
-            <a:ext cx="9144000" cy="2603274"/>
-          </a:xfrm>
-        </p:spPr>
-        <p:txBody>
-          <a:bodyPr vert="horz" lIns="91440" tIns="45720" rIns="91440" bIns="45720" rtlCol="0" anchor="b">
-            <a:normAutofit/>
-          </a:bodyPr>
-          <a:lstStyle/>
-          <a:p>
-            <a:pPr algn="ctr"/>
-            <a:r>
-              <a:rPr lang="en-US" sz="5400" kern="1200">
-                <a:solidFill>
-                  <a:schemeClr val="tx1"/>
-                </a:solidFill>
-                <a:latin typeface="+mj-lt"/>
-                <a:ea typeface="+mj-ea"/>
-                <a:cs typeface="+mj-cs"/>
-              </a:rPr>
-              <a:t>Demo</a:t>
-            </a:r>
-          </a:p>
-        </p:txBody>
-      </p:sp>
-      <p:sp>
-        <p:nvSpPr>
-          <p:cNvPr id="3" name="Content Placeholder 2">
-            <a:extLst>
-              <a:ext uri="{FF2B5EF4-FFF2-40B4-BE49-F238E27FC236}">
-                <a16:creationId xmlns:a16="http://schemas.microsoft.com/office/drawing/2014/main" id="{CF96B156-455D-4FF4-AD6A-5004AF5D5FC4}"/>
-              </a:ext>
-            </a:extLst>
-          </p:cNvPr>
-          <p:cNvSpPr>
-            <a:spLocks noGrp="1"/>
-          </p:cNvSpPr>
-          <p:nvPr>
-            <p:ph idx="1"/>
-          </p:nvPr>
-        </p:nvSpPr>
-        <p:spPr>
-          <a:xfrm>
-            <a:off x="1524000" y="4118088"/>
-            <a:ext cx="9144000" cy="1393711"/>
-          </a:xfrm>
-        </p:spPr>
-        <p:txBody>
-          <a:bodyPr vert="horz" lIns="91440" tIns="45720" rIns="91440" bIns="45720" rtlCol="0">
-            <a:normAutofit/>
-          </a:bodyPr>
-          <a:lstStyle/>
-          <a:p>
-            <a:pPr marL="0" indent="0" algn="ctr">
-              <a:buNone/>
-            </a:pPr>
-            <a:r>
-              <a:rPr lang="en-US" sz="2400" kern="1200">
-                <a:solidFill>
-                  <a:schemeClr val="tx1"/>
-                </a:solidFill>
-                <a:latin typeface="+mn-lt"/>
-                <a:ea typeface="+mn-ea"/>
-                <a:cs typeface="+mn-cs"/>
-              </a:rPr>
-              <a:t>Unit Tests</a:t>
-            </a:r>
-          </a:p>
-        </p:txBody>
-      </p:sp>
-    </p:spTree>
-    <p:extLst>
-      <p:ext uri="{BB962C8B-B14F-4D97-AF65-F5344CB8AC3E}">
-        <p14:creationId xmlns:p14="http://schemas.microsoft.com/office/powerpoint/2010/main" val="4172050231"/>
       </p:ext>
     </p:extLst>
   </p:cSld>
@@ -8366,15 +9255,6 @@
 </file>
 
 <file path=customXml/item2.xml><?xml version="1.0" encoding="utf-8"?>
-<?mso-contentType ?>
-<FormTemplates xmlns="http://schemas.microsoft.com/sharepoint/v3/contenttype/forms">
-  <Display>DocumentLibraryForm</Display>
-  <Edit>DocumentLibraryForm</Edit>
-  <New>DocumentLibraryForm</New>
-</FormTemplates>
-</file>
-
-<file path=customXml/item3.xml><?xml version="1.0" encoding="utf-8"?>
 <ct:contentTypeSchema xmlns:ct="http://schemas.microsoft.com/office/2006/metadata/contentType" xmlns:ma="http://schemas.microsoft.com/office/2006/metadata/properties/metaAttributes" ct:_="" ma:_="" ma:contentTypeName="Document" ma:contentTypeID="0x0101000870A200AD61034F824A14E42296AF19" ma:contentTypeVersion="3" ma:contentTypeDescription="Create a new document." ma:contentTypeScope="" ma:versionID="73aacb02c6f81c6cd1259496118e75e6">
   <xsd:schema xmlns:xsd="http://www.w3.org/2001/XMLSchema" xmlns:xs="http://www.w3.org/2001/XMLSchema" xmlns:p="http://schemas.microsoft.com/office/2006/metadata/properties" xmlns:ns2="35430ae4-e281-43de-938c-38a1ecae3204" targetNamespace="http://schemas.microsoft.com/office/2006/metadata/properties" ma:root="true" ma:fieldsID="27565c2e1105912c3783aec573fd6480" ns2:_="">
     <xsd:import namespace="35430ae4-e281-43de-938c-38a1ecae3204"/>
@@ -8512,6 +9392,15 @@
 </ct:contentTypeSchema>
 </file>
 
+<file path=customXml/item3.xml><?xml version="1.0" encoding="utf-8"?>
+<?mso-contentType ?>
+<FormTemplates xmlns="http://schemas.microsoft.com/sharepoint/v3/contenttype/forms">
+  <Display>DocumentLibraryForm</Display>
+  <Edit>DocumentLibraryForm</Edit>
+  <New>DocumentLibraryForm</New>
+</FormTemplates>
+</file>
+
 <file path=customXml/itemProps1.xml><?xml version="1.0" encoding="utf-8"?>
 <ds:datastoreItem xmlns:ds="http://schemas.openxmlformats.org/officeDocument/2006/customXml" ds:itemID="{18C67904-9C10-4B64-B599-8155E7A6B1E6}">
   <ds:schemaRefs>
@@ -8522,14 +9411,6 @@
 </file>
 
 <file path=customXml/itemProps2.xml><?xml version="1.0" encoding="utf-8"?>
-<ds:datastoreItem xmlns:ds="http://schemas.openxmlformats.org/officeDocument/2006/customXml" ds:itemID="{72756391-D205-424A-B5B1-7032AF382F33}">
-  <ds:schemaRefs>
-    <ds:schemaRef ds:uri="http://schemas.microsoft.com/sharepoint/v3/contenttype/forms"/>
-  </ds:schemaRefs>
-</ds:datastoreItem>
-</file>
-
-<file path=customXml/itemProps3.xml><?xml version="1.0" encoding="utf-8"?>
 <ds:datastoreItem xmlns:ds="http://schemas.openxmlformats.org/officeDocument/2006/customXml" ds:itemID="{CBC1BA2F-C324-4101-A7BA-03699E0CB169}">
   <ds:schemaRefs>
     <ds:schemaRef ds:uri="http://schemas.microsoft.com/office/2006/metadata/contentType"/>
@@ -8545,4 +9426,12 @@
     <ds:schemaRef ds:uri="http://schemas.microsoft.com/internal/obd"/>
   </ds:schemaRefs>
 </ds:datastoreItem>
+</file>
+
+<file path=customXml/itemProps3.xml><?xml version="1.0" encoding="utf-8"?>
+<ds:datastoreItem xmlns:ds="http://schemas.openxmlformats.org/officeDocument/2006/customXml" ds:itemID="{72756391-D205-424A-B5B1-7032AF382F33}">
+  <ds:schemaRefs>
+    <ds:schemaRef ds:uri="http://schemas.microsoft.com/sharepoint/v3/contenttype/forms"/>
+  </ds:schemaRefs>
+</ds:datastoreItem>
 </file>
--- a/psconfAsia2018/DSC-Workshop/PSConf_Asia-DSC_OVF.pptx
+++ b/psconfAsia2018/DSC-Workshop/PSConf_Asia-DSC_OVF.pptx
@@ -3870,7 +3870,7 @@
         <p:spPr>
           <a:xfrm>
             <a:off x="28576" y="1987163"/>
-            <a:ext cx="4855816" cy="523220"/>
+            <a:ext cx="4855816" cy="954107"/>
           </a:xfrm>
           <a:prstGeom prst="rect">
             <a:avLst/>
@@ -3893,6 +3893,35 @@
               </a:rPr>
               <a:t>Ravikanth Chaganti, Dell EMC</a:t>
             </a:r>
+          </a:p>
+          <a:p>
+            <a:r>
+              <a:rPr lang="en-US" sz="2800" dirty="0">
+                <a:solidFill>
+                  <a:schemeClr val="bg1"/>
+                </a:solidFill>
+                <a:latin typeface="Segoe UI" panose="020B0502040204020203" pitchFamily="34" charset="0"/>
+                <a:cs typeface="Segoe UI" panose="020B0502040204020203" pitchFamily="34" charset="0"/>
+              </a:rPr>
+              <a:t>@</a:t>
+            </a:r>
+            <a:r>
+              <a:rPr lang="en-US" sz="2800" dirty="0" err="1">
+                <a:solidFill>
+                  <a:schemeClr val="bg1"/>
+                </a:solidFill>
+                <a:latin typeface="Segoe UI" panose="020B0502040204020203" pitchFamily="34" charset="0"/>
+                <a:cs typeface="Segoe UI" panose="020B0502040204020203" pitchFamily="34" charset="0"/>
+              </a:rPr>
+              <a:t>ravikanth</a:t>
+            </a:r>
+            <a:endParaRPr lang="en-US" sz="2800" dirty="0">
+              <a:solidFill>
+                <a:schemeClr val="bg1"/>
+              </a:solidFill>
+              <a:latin typeface="Segoe UI" panose="020B0502040204020203" pitchFamily="34" charset="0"/>
+              <a:cs typeface="Segoe UI" panose="020B0502040204020203" pitchFamily="34" charset="0"/>
+            </a:endParaRPr>
           </a:p>
         </p:txBody>
       </p:sp>
@@ -9255,6 +9284,15 @@
 </file>
 
 <file path=customXml/item2.xml><?xml version="1.0" encoding="utf-8"?>
+<?mso-contentType ?>
+<FormTemplates xmlns="http://schemas.microsoft.com/sharepoint/v3/contenttype/forms">
+  <Display>DocumentLibraryForm</Display>
+  <Edit>DocumentLibraryForm</Edit>
+  <New>DocumentLibraryForm</New>
+</FormTemplates>
+</file>
+
+<file path=customXml/item3.xml><?xml version="1.0" encoding="utf-8"?>
 <ct:contentTypeSchema xmlns:ct="http://schemas.microsoft.com/office/2006/metadata/contentType" xmlns:ma="http://schemas.microsoft.com/office/2006/metadata/properties/metaAttributes" ct:_="" ma:_="" ma:contentTypeName="Document" ma:contentTypeID="0x0101000870A200AD61034F824A14E42296AF19" ma:contentTypeVersion="3" ma:contentTypeDescription="Create a new document." ma:contentTypeScope="" ma:versionID="73aacb02c6f81c6cd1259496118e75e6">
   <xsd:schema xmlns:xsd="http://www.w3.org/2001/XMLSchema" xmlns:xs="http://www.w3.org/2001/XMLSchema" xmlns:p="http://schemas.microsoft.com/office/2006/metadata/properties" xmlns:ns2="35430ae4-e281-43de-938c-38a1ecae3204" targetNamespace="http://schemas.microsoft.com/office/2006/metadata/properties" ma:root="true" ma:fieldsID="27565c2e1105912c3783aec573fd6480" ns2:_="">
     <xsd:import namespace="35430ae4-e281-43de-938c-38a1ecae3204"/>
@@ -9392,15 +9430,6 @@
 </ct:contentTypeSchema>
 </file>
 
-<file path=customXml/item3.xml><?xml version="1.0" encoding="utf-8"?>
-<?mso-contentType ?>
-<FormTemplates xmlns="http://schemas.microsoft.com/sharepoint/v3/contenttype/forms">
-  <Display>DocumentLibraryForm</Display>
-  <Edit>DocumentLibraryForm</Edit>
-  <New>DocumentLibraryForm</New>
-</FormTemplates>
-</file>
-
 <file path=customXml/itemProps1.xml><?xml version="1.0" encoding="utf-8"?>
 <ds:datastoreItem xmlns:ds="http://schemas.openxmlformats.org/officeDocument/2006/customXml" ds:itemID="{18C67904-9C10-4B64-B599-8155E7A6B1E6}">
   <ds:schemaRefs>
@@ -9411,6 +9440,14 @@
 </file>
 
 <file path=customXml/itemProps2.xml><?xml version="1.0" encoding="utf-8"?>
+<ds:datastoreItem xmlns:ds="http://schemas.openxmlformats.org/officeDocument/2006/customXml" ds:itemID="{72756391-D205-424A-B5B1-7032AF382F33}">
+  <ds:schemaRefs>
+    <ds:schemaRef ds:uri="http://schemas.microsoft.com/sharepoint/v3/contenttype/forms"/>
+  </ds:schemaRefs>
+</ds:datastoreItem>
+</file>
+
+<file path=customXml/itemProps3.xml><?xml version="1.0" encoding="utf-8"?>
 <ds:datastoreItem xmlns:ds="http://schemas.openxmlformats.org/officeDocument/2006/customXml" ds:itemID="{CBC1BA2F-C324-4101-A7BA-03699E0CB169}">
   <ds:schemaRefs>
     <ds:schemaRef ds:uri="http://schemas.microsoft.com/office/2006/metadata/contentType"/>
@@ -9426,12 +9463,4 @@
     <ds:schemaRef ds:uri="http://schemas.microsoft.com/internal/obd"/>
   </ds:schemaRefs>
 </ds:datastoreItem>
-</file>
-
-<file path=customXml/itemProps3.xml><?xml version="1.0" encoding="utf-8"?>
-<ds:datastoreItem xmlns:ds="http://schemas.openxmlformats.org/officeDocument/2006/customXml" ds:itemID="{72756391-D205-424A-B5B1-7032AF382F33}">
-  <ds:schemaRefs>
-    <ds:schemaRef ds:uri="http://schemas.microsoft.com/sharepoint/v3/contenttype/forms"/>
-  </ds:schemaRefs>
-</ds:datastoreItem>
 </file>